--- a/Database/LevelDB/pic.pptx
+++ b/Database/LevelDB/pic.pptx
@@ -9617,6 +9617,708 @@
         <p:nvPr/>
       </p:nvGrpSpPr>
       <p:grpSpPr/>
+      <p:grpSp>
+        <p:nvGrpSpPr>
+          <p:cNvPr id="22" name="组合 21"/>
+          <p:cNvGrpSpPr/>
+          <p:nvPr/>
+        </p:nvGrpSpPr>
+        <p:grpSpPr>
+          <a:xfrm>
+            <a:off x="1028700" y="1259840"/>
+            <a:ext cx="5146040" cy="2491740"/>
+            <a:chOff x="1620" y="1984"/>
+            <a:chExt cx="8104" cy="3924"/>
+          </a:xfrm>
+        </p:grpSpPr>
+        <p:sp>
+          <p:nvSpPr>
+            <p:cNvPr id="4" name="矩形 3"/>
+            <p:cNvSpPr/>
+            <p:nvPr/>
+          </p:nvSpPr>
+          <p:spPr>
+            <a:xfrm>
+              <a:off x="1800" y="3564"/>
+              <a:ext cx="660" cy="564"/>
+            </a:xfrm>
+            <a:prstGeom prst="rect">
+              <a:avLst/>
+            </a:prstGeom>
+          </p:spPr>
+          <p:style>
+            <a:lnRef idx="2">
+              <a:schemeClr val="accent1">
+                <a:shade val="50000"/>
+              </a:schemeClr>
+            </a:lnRef>
+            <a:fillRef idx="1">
+              <a:schemeClr val="accent1"/>
+            </a:fillRef>
+            <a:effectRef idx="0">
+              <a:schemeClr val="accent1"/>
+            </a:effectRef>
+            <a:fontRef idx="minor">
+              <a:schemeClr val="lt1"/>
+            </a:fontRef>
+          </p:style>
+          <p:txBody>
+            <a:bodyPr rtlCol="0" anchor="ctr"/>
+            <a:p>
+              <a:pPr algn="ctr"/>
+              <a:endParaRPr lang="zh-CN" altLang="en-US"/>
+            </a:p>
+          </p:txBody>
+        </p:sp>
+        <p:sp>
+          <p:nvSpPr>
+            <p:cNvPr id="5" name="矩形 4"/>
+            <p:cNvSpPr/>
+            <p:nvPr/>
+          </p:nvSpPr>
+          <p:spPr>
+            <a:xfrm>
+              <a:off x="2460" y="3564"/>
+              <a:ext cx="660" cy="564"/>
+            </a:xfrm>
+            <a:prstGeom prst="rect">
+              <a:avLst/>
+            </a:prstGeom>
+          </p:spPr>
+          <p:style>
+            <a:lnRef idx="2">
+              <a:schemeClr val="accent1">
+                <a:shade val="50000"/>
+              </a:schemeClr>
+            </a:lnRef>
+            <a:fillRef idx="1">
+              <a:schemeClr val="accent1"/>
+            </a:fillRef>
+            <a:effectRef idx="0">
+              <a:schemeClr val="accent1"/>
+            </a:effectRef>
+            <a:fontRef idx="minor">
+              <a:schemeClr val="lt1"/>
+            </a:fontRef>
+          </p:style>
+          <p:txBody>
+            <a:bodyPr rtlCol="0" anchor="ctr"/>
+            <a:p>
+              <a:pPr algn="ctr"/>
+              <a:endParaRPr lang="zh-CN" altLang="en-US"/>
+            </a:p>
+          </p:txBody>
+        </p:sp>
+        <p:sp>
+          <p:nvSpPr>
+            <p:cNvPr id="6" name="矩形 5"/>
+            <p:cNvSpPr/>
+            <p:nvPr/>
+          </p:nvSpPr>
+          <p:spPr>
+            <a:xfrm>
+              <a:off x="3120" y="3564"/>
+              <a:ext cx="660" cy="564"/>
+            </a:xfrm>
+            <a:prstGeom prst="rect">
+              <a:avLst/>
+            </a:prstGeom>
+          </p:spPr>
+          <p:style>
+            <a:lnRef idx="2">
+              <a:schemeClr val="accent1">
+                <a:shade val="50000"/>
+              </a:schemeClr>
+            </a:lnRef>
+            <a:fillRef idx="1">
+              <a:schemeClr val="accent1"/>
+            </a:fillRef>
+            <a:effectRef idx="0">
+              <a:schemeClr val="accent1"/>
+            </a:effectRef>
+            <a:fontRef idx="minor">
+              <a:schemeClr val="lt1"/>
+            </a:fontRef>
+          </p:style>
+          <p:txBody>
+            <a:bodyPr rtlCol="0" anchor="ctr"/>
+            <a:p>
+              <a:pPr algn="ctr"/>
+              <a:endParaRPr lang="zh-CN" altLang="en-US"/>
+            </a:p>
+          </p:txBody>
+        </p:sp>
+        <p:sp>
+          <p:nvSpPr>
+            <p:cNvPr id="7" name="矩形 6"/>
+            <p:cNvSpPr/>
+            <p:nvPr/>
+          </p:nvSpPr>
+          <p:spPr>
+            <a:xfrm>
+              <a:off x="3776" y="3564"/>
+              <a:ext cx="660" cy="564"/>
+            </a:xfrm>
+            <a:prstGeom prst="rect">
+              <a:avLst/>
+            </a:prstGeom>
+          </p:spPr>
+          <p:style>
+            <a:lnRef idx="2">
+              <a:schemeClr val="accent1">
+                <a:shade val="50000"/>
+              </a:schemeClr>
+            </a:lnRef>
+            <a:fillRef idx="1">
+              <a:schemeClr val="accent1"/>
+            </a:fillRef>
+            <a:effectRef idx="0">
+              <a:schemeClr val="accent1"/>
+            </a:effectRef>
+            <a:fontRef idx="minor">
+              <a:schemeClr val="lt1"/>
+            </a:fontRef>
+          </p:style>
+          <p:txBody>
+            <a:bodyPr rtlCol="0" anchor="ctr"/>
+            <a:p>
+              <a:pPr algn="ctr"/>
+              <a:endParaRPr lang="zh-CN" altLang="en-US"/>
+            </a:p>
+          </p:txBody>
+        </p:sp>
+        <p:sp>
+          <p:nvSpPr>
+            <p:cNvPr id="8" name="矩形 7"/>
+            <p:cNvSpPr/>
+            <p:nvPr/>
+          </p:nvSpPr>
+          <p:spPr>
+            <a:xfrm>
+              <a:off x="4436" y="3564"/>
+              <a:ext cx="660" cy="564"/>
+            </a:xfrm>
+            <a:prstGeom prst="rect">
+              <a:avLst/>
+            </a:prstGeom>
+          </p:spPr>
+          <p:style>
+            <a:lnRef idx="2">
+              <a:schemeClr val="accent1">
+                <a:shade val="50000"/>
+              </a:schemeClr>
+            </a:lnRef>
+            <a:fillRef idx="1">
+              <a:schemeClr val="accent1"/>
+            </a:fillRef>
+            <a:effectRef idx="0">
+              <a:schemeClr val="accent1"/>
+            </a:effectRef>
+            <a:fontRef idx="minor">
+              <a:schemeClr val="lt1"/>
+            </a:fontRef>
+          </p:style>
+          <p:txBody>
+            <a:bodyPr rtlCol="0" anchor="ctr"/>
+            <a:p>
+              <a:pPr algn="ctr"/>
+              <a:endParaRPr lang="zh-CN" altLang="en-US"/>
+            </a:p>
+          </p:txBody>
+        </p:sp>
+        <p:sp>
+          <p:nvSpPr>
+            <p:cNvPr id="9" name="矩形 8"/>
+            <p:cNvSpPr/>
+            <p:nvPr/>
+          </p:nvSpPr>
+          <p:spPr>
+            <a:xfrm>
+              <a:off x="5096" y="3564"/>
+              <a:ext cx="660" cy="564"/>
+            </a:xfrm>
+            <a:prstGeom prst="rect">
+              <a:avLst/>
+            </a:prstGeom>
+          </p:spPr>
+          <p:style>
+            <a:lnRef idx="2">
+              <a:schemeClr val="accent1">
+                <a:shade val="50000"/>
+              </a:schemeClr>
+            </a:lnRef>
+            <a:fillRef idx="1">
+              <a:schemeClr val="accent1"/>
+            </a:fillRef>
+            <a:effectRef idx="0">
+              <a:schemeClr val="accent1"/>
+            </a:effectRef>
+            <a:fontRef idx="minor">
+              <a:schemeClr val="lt1"/>
+            </a:fontRef>
+          </p:style>
+          <p:txBody>
+            <a:bodyPr rtlCol="0" anchor="ctr"/>
+            <a:p>
+              <a:pPr algn="ctr"/>
+              <a:endParaRPr lang="zh-CN" altLang="en-US"/>
+            </a:p>
+          </p:txBody>
+        </p:sp>
+        <p:sp>
+          <p:nvSpPr>
+            <p:cNvPr id="10" name="矩形 9"/>
+            <p:cNvSpPr/>
+            <p:nvPr/>
+          </p:nvSpPr>
+          <p:spPr>
+            <a:xfrm>
+              <a:off x="5768" y="3564"/>
+              <a:ext cx="660" cy="564"/>
+            </a:xfrm>
+            <a:prstGeom prst="rect">
+              <a:avLst/>
+            </a:prstGeom>
+          </p:spPr>
+          <p:style>
+            <a:lnRef idx="2">
+              <a:schemeClr val="accent1">
+                <a:shade val="50000"/>
+              </a:schemeClr>
+            </a:lnRef>
+            <a:fillRef idx="1">
+              <a:schemeClr val="accent1"/>
+            </a:fillRef>
+            <a:effectRef idx="0">
+              <a:schemeClr val="accent1"/>
+            </a:effectRef>
+            <a:fontRef idx="minor">
+              <a:schemeClr val="lt1"/>
+            </a:fontRef>
+          </p:style>
+          <p:txBody>
+            <a:bodyPr rtlCol="0" anchor="ctr"/>
+            <a:p>
+              <a:pPr algn="ctr"/>
+              <a:endParaRPr lang="zh-CN" altLang="en-US"/>
+            </a:p>
+          </p:txBody>
+        </p:sp>
+        <p:sp>
+          <p:nvSpPr>
+            <p:cNvPr id="11" name="矩形 10"/>
+            <p:cNvSpPr/>
+            <p:nvPr/>
+          </p:nvSpPr>
+          <p:spPr>
+            <a:xfrm>
+              <a:off x="6428" y="3564"/>
+              <a:ext cx="660" cy="564"/>
+            </a:xfrm>
+            <a:prstGeom prst="rect">
+              <a:avLst/>
+            </a:prstGeom>
+          </p:spPr>
+          <p:style>
+            <a:lnRef idx="2">
+              <a:schemeClr val="accent1">
+                <a:shade val="50000"/>
+              </a:schemeClr>
+            </a:lnRef>
+            <a:fillRef idx="1">
+              <a:schemeClr val="accent1"/>
+            </a:fillRef>
+            <a:effectRef idx="0">
+              <a:schemeClr val="accent1"/>
+            </a:effectRef>
+            <a:fontRef idx="minor">
+              <a:schemeClr val="lt1"/>
+            </a:fontRef>
+          </p:style>
+          <p:txBody>
+            <a:bodyPr rtlCol="0" anchor="ctr"/>
+            <a:p>
+              <a:pPr algn="ctr"/>
+              <a:endParaRPr lang="zh-CN" altLang="en-US"/>
+            </a:p>
+          </p:txBody>
+        </p:sp>
+        <p:sp>
+          <p:nvSpPr>
+            <p:cNvPr id="12" name="矩形 11"/>
+            <p:cNvSpPr/>
+            <p:nvPr/>
+          </p:nvSpPr>
+          <p:spPr>
+            <a:xfrm>
+              <a:off x="7088" y="3564"/>
+              <a:ext cx="660" cy="564"/>
+            </a:xfrm>
+            <a:prstGeom prst="rect">
+              <a:avLst/>
+            </a:prstGeom>
+          </p:spPr>
+          <p:style>
+            <a:lnRef idx="2">
+              <a:schemeClr val="accent1">
+                <a:shade val="50000"/>
+              </a:schemeClr>
+            </a:lnRef>
+            <a:fillRef idx="1">
+              <a:schemeClr val="accent1"/>
+            </a:fillRef>
+            <a:effectRef idx="0">
+              <a:schemeClr val="accent1"/>
+            </a:effectRef>
+            <a:fontRef idx="minor">
+              <a:schemeClr val="lt1"/>
+            </a:fontRef>
+          </p:style>
+          <p:txBody>
+            <a:bodyPr rtlCol="0" anchor="ctr"/>
+            <a:p>
+              <a:pPr algn="ctr"/>
+              <a:endParaRPr lang="zh-CN" altLang="en-US"/>
+            </a:p>
+          </p:txBody>
+        </p:sp>
+        <p:sp>
+          <p:nvSpPr>
+            <p:cNvPr id="13" name="矩形 12"/>
+            <p:cNvSpPr/>
+            <p:nvPr/>
+          </p:nvSpPr>
+          <p:spPr>
+            <a:xfrm>
+              <a:off x="7744" y="3564"/>
+              <a:ext cx="660" cy="564"/>
+            </a:xfrm>
+            <a:prstGeom prst="rect">
+              <a:avLst/>
+            </a:prstGeom>
+          </p:spPr>
+          <p:style>
+            <a:lnRef idx="2">
+              <a:schemeClr val="accent1">
+                <a:shade val="50000"/>
+              </a:schemeClr>
+            </a:lnRef>
+            <a:fillRef idx="1">
+              <a:schemeClr val="accent1"/>
+            </a:fillRef>
+            <a:effectRef idx="0">
+              <a:schemeClr val="accent1"/>
+            </a:effectRef>
+            <a:fontRef idx="minor">
+              <a:schemeClr val="lt1"/>
+            </a:fontRef>
+          </p:style>
+          <p:txBody>
+            <a:bodyPr rtlCol="0" anchor="ctr"/>
+            <a:p>
+              <a:pPr algn="ctr"/>
+              <a:endParaRPr lang="zh-CN" altLang="en-US"/>
+            </a:p>
+          </p:txBody>
+        </p:sp>
+        <p:sp>
+          <p:nvSpPr>
+            <p:cNvPr id="14" name="矩形 13"/>
+            <p:cNvSpPr/>
+            <p:nvPr/>
+          </p:nvSpPr>
+          <p:spPr>
+            <a:xfrm>
+              <a:off x="8404" y="3564"/>
+              <a:ext cx="660" cy="564"/>
+            </a:xfrm>
+            <a:prstGeom prst="rect">
+              <a:avLst/>
+            </a:prstGeom>
+          </p:spPr>
+          <p:style>
+            <a:lnRef idx="2">
+              <a:schemeClr val="accent1">
+                <a:shade val="50000"/>
+              </a:schemeClr>
+            </a:lnRef>
+            <a:fillRef idx="1">
+              <a:schemeClr val="accent1"/>
+            </a:fillRef>
+            <a:effectRef idx="0">
+              <a:schemeClr val="accent1"/>
+            </a:effectRef>
+            <a:fontRef idx="minor">
+              <a:schemeClr val="lt1"/>
+            </a:fontRef>
+          </p:style>
+          <p:txBody>
+            <a:bodyPr rtlCol="0" anchor="ctr"/>
+            <a:p>
+              <a:pPr algn="ctr"/>
+              <a:endParaRPr lang="zh-CN" altLang="en-US"/>
+            </a:p>
+          </p:txBody>
+        </p:sp>
+        <p:sp>
+          <p:nvSpPr>
+            <p:cNvPr id="15" name="矩形 14"/>
+            <p:cNvSpPr/>
+            <p:nvPr/>
+          </p:nvSpPr>
+          <p:spPr>
+            <a:xfrm>
+              <a:off x="9064" y="3564"/>
+              <a:ext cx="660" cy="564"/>
+            </a:xfrm>
+            <a:prstGeom prst="rect">
+              <a:avLst/>
+            </a:prstGeom>
+          </p:spPr>
+          <p:style>
+            <a:lnRef idx="2">
+              <a:schemeClr val="accent1">
+                <a:shade val="50000"/>
+              </a:schemeClr>
+            </a:lnRef>
+            <a:fillRef idx="1">
+              <a:schemeClr val="accent1"/>
+            </a:fillRef>
+            <a:effectRef idx="0">
+              <a:schemeClr val="accent1"/>
+            </a:effectRef>
+            <a:fontRef idx="minor">
+              <a:schemeClr val="lt1"/>
+            </a:fontRef>
+          </p:style>
+          <p:txBody>
+            <a:bodyPr rtlCol="0" anchor="ctr"/>
+            <a:p>
+              <a:pPr algn="ctr"/>
+              <a:endParaRPr lang="zh-CN" altLang="en-US"/>
+            </a:p>
+          </p:txBody>
+        </p:sp>
+        <p:sp>
+          <p:nvSpPr>
+            <p:cNvPr id="16" name="文本框 15"/>
+            <p:cNvSpPr txBox="1"/>
+            <p:nvPr/>
+          </p:nvSpPr>
+          <p:spPr>
+            <a:xfrm>
+              <a:off x="4370" y="2096"/>
+              <a:ext cx="793" cy="580"/>
+            </a:xfrm>
+            <a:prstGeom prst="rect">
+              <a:avLst/>
+            </a:prstGeom>
+            <a:noFill/>
+          </p:spPr>
+          <p:txBody>
+            <a:bodyPr wrap="none" rtlCol="0">
+              <a:spAutoFit/>
+            </a:bodyPr>
+            <a:p>
+              <a:r>
+                <a:rPr lang="en-US" altLang="zh-CN"/>
+                <a:t>iter</a:t>
+              </a:r>
+              <a:endParaRPr lang="en-US" altLang="zh-CN"/>
+            </a:p>
+          </p:txBody>
+        </p:sp>
+        <p:sp>
+          <p:nvSpPr>
+            <p:cNvPr id="17" name="下箭头 16"/>
+            <p:cNvSpPr/>
+            <p:nvPr/>
+          </p:nvSpPr>
+          <p:spPr>
+            <a:xfrm>
+              <a:off x="4538" y="2796"/>
+              <a:ext cx="456" cy="648"/>
+            </a:xfrm>
+            <a:prstGeom prst="downArrow">
+              <a:avLst/>
+            </a:prstGeom>
+          </p:spPr>
+          <p:style>
+            <a:lnRef idx="2">
+              <a:schemeClr val="accent1">
+                <a:shade val="50000"/>
+              </a:schemeClr>
+            </a:lnRef>
+            <a:fillRef idx="1">
+              <a:schemeClr val="accent1"/>
+            </a:fillRef>
+            <a:effectRef idx="0">
+              <a:schemeClr val="accent1"/>
+            </a:effectRef>
+            <a:fontRef idx="minor">
+              <a:schemeClr val="lt1"/>
+            </a:fontRef>
+          </p:style>
+          <p:txBody>
+            <a:bodyPr rtlCol="0" anchor="ctr"/>
+            <a:p>
+              <a:pPr algn="ctr"/>
+              <a:endParaRPr lang="zh-CN" altLang="en-US"/>
+            </a:p>
+          </p:txBody>
+        </p:sp>
+        <p:cxnSp>
+          <p:nvCxnSpPr>
+            <p:cNvPr id="18" name="直接箭头连接符 17"/>
+            <p:cNvCxnSpPr/>
+            <p:nvPr/>
+          </p:nvCxnSpPr>
+          <p:spPr>
+            <a:xfrm>
+              <a:off x="1896" y="4692"/>
+              <a:ext cx="7752" cy="0"/>
+            </a:xfrm>
+            <a:prstGeom prst="straightConnector1">
+              <a:avLst/>
+            </a:prstGeom>
+            <a:ln w="41275">
+              <a:tailEnd type="arrow"/>
+            </a:ln>
+          </p:spPr>
+          <p:style>
+            <a:lnRef idx="1">
+              <a:schemeClr val="accent1"/>
+            </a:lnRef>
+            <a:fillRef idx="0">
+              <a:schemeClr val="accent1"/>
+            </a:fillRef>
+            <a:effectRef idx="0">
+              <a:schemeClr val="accent1"/>
+            </a:effectRef>
+            <a:fontRef idx="minor">
+              <a:schemeClr val="tx1"/>
+            </a:fontRef>
+          </p:style>
+        </p:cxnSp>
+        <p:cxnSp>
+          <p:nvCxnSpPr>
+            <p:cNvPr id="19" name="直接箭头连接符 18"/>
+            <p:cNvCxnSpPr/>
+            <p:nvPr/>
+          </p:nvCxnSpPr>
+          <p:spPr>
+            <a:xfrm>
+              <a:off x="5163" y="2564"/>
+              <a:ext cx="1504" cy="0"/>
+            </a:xfrm>
+            <a:prstGeom prst="straightConnector1">
+              <a:avLst/>
+            </a:prstGeom>
+            <a:ln w="41275">
+              <a:tailEnd type="arrow"/>
+            </a:ln>
+          </p:spPr>
+          <p:style>
+            <a:lnRef idx="1">
+              <a:schemeClr val="accent1"/>
+            </a:lnRef>
+            <a:fillRef idx="0">
+              <a:schemeClr val="accent1"/>
+            </a:fillRef>
+            <a:effectRef idx="0">
+              <a:schemeClr val="accent1"/>
+            </a:effectRef>
+            <a:fontRef idx="minor">
+              <a:schemeClr val="tx1"/>
+            </a:fontRef>
+          </p:style>
+        </p:cxnSp>
+        <p:sp>
+          <p:nvSpPr>
+            <p:cNvPr id="20" name="文本框 19"/>
+            <p:cNvSpPr txBox="1"/>
+            <p:nvPr/>
+          </p:nvSpPr>
+          <p:spPr>
+            <a:xfrm>
+              <a:off x="5490" y="1984"/>
+              <a:ext cx="928" cy="580"/>
+            </a:xfrm>
+            <a:prstGeom prst="rect">
+              <a:avLst/>
+            </a:prstGeom>
+            <a:noFill/>
+          </p:spPr>
+          <p:txBody>
+            <a:bodyPr wrap="none" rtlCol="0">
+              <a:spAutoFit/>
+            </a:bodyPr>
+            <a:p>
+              <a:r>
+                <a:rPr lang="en-US" altLang="zh-CN"/>
+                <a:t>next</a:t>
+              </a:r>
+              <a:endParaRPr lang="en-US" altLang="zh-CN"/>
+            </a:p>
+          </p:txBody>
+        </p:sp>
+        <p:sp>
+          <p:nvSpPr>
+            <p:cNvPr id="21" name="文本框 20"/>
+            <p:cNvSpPr txBox="1"/>
+            <p:nvPr/>
+          </p:nvSpPr>
+          <p:spPr>
+            <a:xfrm>
+              <a:off x="1620" y="4892"/>
+              <a:ext cx="7914" cy="1016"/>
+            </a:xfrm>
+            <a:prstGeom prst="rect">
+              <a:avLst/>
+            </a:prstGeom>
+            <a:noFill/>
+          </p:spPr>
+          <p:txBody>
+            <a:bodyPr wrap="none" rtlCol="0">
+              <a:spAutoFit/>
+            </a:bodyPr>
+            <a:p>
+              <a:r>
+                <a:rPr lang="en-US" altLang="zh-CN"/>
+                <a:t>user_key</a:t>
+              </a:r>
+              <a:r>
+                <a:rPr lang="zh-CN" altLang="en-US"/>
+                <a:t>越来越大；</a:t>
+              </a:r>
+              <a:endParaRPr lang="zh-CN" altLang="en-US"/>
+            </a:p>
+            <a:p>
+              <a:r>
+                <a:rPr lang="zh-CN" altLang="en-US"/>
+                <a:t>对于相同的</a:t>
+              </a:r>
+              <a:r>
+                <a:rPr lang="en-US" altLang="zh-CN"/>
+                <a:t>user_Key</a:t>
+              </a:r>
+              <a:r>
+                <a:rPr lang="zh-CN" altLang="en-US"/>
+                <a:t>，</a:t>
+              </a:r>
+              <a:r>
+                <a:rPr lang="en-US" altLang="zh-CN"/>
+                <a:t>Seq</a:t>
+              </a:r>
+              <a:r>
+                <a:rPr lang="zh-CN" altLang="en-US"/>
+                <a:t>越来越小，即越来越旧</a:t>
+              </a:r>
+              <a:endParaRPr lang="zh-CN" altLang="en-US"/>
+            </a:p>
+          </p:txBody>
+        </p:sp>
+      </p:grpSp>
     </p:spTree>
   </p:cSld>
   <p:clrMapOvr>
